--- a/GStore User Revenue Prediction.pptx
+++ b/GStore User Revenue Prediction.pptx
@@ -295,7 +295,7 @@
           <a:p>
             <a:fld id="{3BD6865C-A9AC-44BA-9266-6D625095AD36}" type="datetimeFigureOut">
               <a:rPr lang="en-US" smtClean="0"/>
-              <a:t>10/28/2021</a:t>
+              <a:t>10/29/2021</a:t>
             </a:fld>
             <a:endParaRPr lang="en-US"/>
           </a:p>
@@ -523,7 +523,7 @@
           <a:p>
             <a:fld id="{3BD6865C-A9AC-44BA-9266-6D625095AD36}" type="datetimeFigureOut">
               <a:rPr lang="en-US" smtClean="0"/>
-              <a:t>10/28/2021</a:t>
+              <a:t>10/29/2021</a:t>
             </a:fld>
             <a:endParaRPr lang="en-US"/>
           </a:p>
@@ -703,7 +703,7 @@
           <a:p>
             <a:fld id="{3BD6865C-A9AC-44BA-9266-6D625095AD36}" type="datetimeFigureOut">
               <a:rPr lang="en-US" smtClean="0"/>
-              <a:t>10/28/2021</a:t>
+              <a:t>10/29/2021</a:t>
             </a:fld>
             <a:endParaRPr lang="en-US"/>
           </a:p>
@@ -873,7 +873,7 @@
           <a:p>
             <a:fld id="{3BD6865C-A9AC-44BA-9266-6D625095AD36}" type="datetimeFigureOut">
               <a:rPr lang="en-US" smtClean="0"/>
-              <a:t>10/28/2021</a:t>
+              <a:t>10/29/2021</a:t>
             </a:fld>
             <a:endParaRPr lang="en-US"/>
           </a:p>
@@ -1127,7 +1127,7 @@
           <a:p>
             <a:fld id="{3BD6865C-A9AC-44BA-9266-6D625095AD36}" type="datetimeFigureOut">
               <a:rPr lang="en-US" smtClean="0"/>
-              <a:t>10/28/2021</a:t>
+              <a:t>10/29/2021</a:t>
             </a:fld>
             <a:endParaRPr lang="en-US"/>
           </a:p>
@@ -1453,7 +1453,7 @@
           <a:p>
             <a:fld id="{3BD6865C-A9AC-44BA-9266-6D625095AD36}" type="datetimeFigureOut">
               <a:rPr lang="en-US" smtClean="0"/>
-              <a:t>10/28/2021</a:t>
+              <a:t>10/29/2021</a:t>
             </a:fld>
             <a:endParaRPr lang="en-US"/>
           </a:p>
@@ -1904,7 +1904,7 @@
           <a:p>
             <a:fld id="{3BD6865C-A9AC-44BA-9266-6D625095AD36}" type="datetimeFigureOut">
               <a:rPr lang="en-US" smtClean="0"/>
-              <a:t>10/28/2021</a:t>
+              <a:t>10/29/2021</a:t>
             </a:fld>
             <a:endParaRPr lang="en-US"/>
           </a:p>
@@ -2022,7 +2022,7 @@
           <a:p>
             <a:fld id="{3BD6865C-A9AC-44BA-9266-6D625095AD36}" type="datetimeFigureOut">
               <a:rPr lang="en-US" smtClean="0"/>
-              <a:t>10/28/2021</a:t>
+              <a:t>10/29/2021</a:t>
             </a:fld>
             <a:endParaRPr lang="en-US"/>
           </a:p>
@@ -2117,7 +2117,7 @@
           <a:p>
             <a:fld id="{3BD6865C-A9AC-44BA-9266-6D625095AD36}" type="datetimeFigureOut">
               <a:rPr lang="en-US" smtClean="0"/>
-              <a:t>10/28/2021</a:t>
+              <a:t>10/29/2021</a:t>
             </a:fld>
             <a:endParaRPr lang="en-US"/>
           </a:p>
@@ -2404,7 +2404,7 @@
           <a:p>
             <a:fld id="{3BD6865C-A9AC-44BA-9266-6D625095AD36}" type="datetimeFigureOut">
               <a:rPr lang="en-US" smtClean="0"/>
-              <a:t>10/28/2021</a:t>
+              <a:t>10/29/2021</a:t>
             </a:fld>
             <a:endParaRPr lang="en-US"/>
           </a:p>
@@ -2726,7 +2726,7 @@
           <a:p>
             <a:fld id="{3BD6865C-A9AC-44BA-9266-6D625095AD36}" type="datetimeFigureOut">
               <a:rPr lang="en-US" smtClean="0"/>
-              <a:t>10/28/2021</a:t>
+              <a:t>10/29/2021</a:t>
             </a:fld>
             <a:endParaRPr lang="en-US"/>
           </a:p>
@@ -2980,7 +2980,7 @@
           <a:p>
             <a:fld id="{3BD6865C-A9AC-44BA-9266-6D625095AD36}" type="datetimeFigureOut">
               <a:rPr lang="en-US" smtClean="0"/>
-              <a:t>10/28/2021</a:t>
+              <a:t>10/29/2021</a:t>
             </a:fld>
             <a:endParaRPr lang="en-US"/>
           </a:p>

--- a/GStore User Revenue Prediction.pptx
+++ b/GStore User Revenue Prediction.pptx
@@ -4100,7 +4100,30 @@
             <a:pPr lvl="1"/>
             <a:r>
               <a:rPr lang="en-US" dirty="0"/>
-              <a:t>Created summary statistics for numeric columns (mean, median, max, min, std)</a:t>
+              <a:t>Created target revenue column ln(sum(</a:t>
+            </a:r>
+            <a:r>
+              <a:rPr lang="en-US" i="1" dirty="0"/>
+              <a:t>user revenue</a:t>
+            </a:r>
+            <a:r>
+              <a:rPr lang="en-US" dirty="0"/>
+              <a:t>)+</a:t>
+            </a:r>
+            <a:r>
+              <a:rPr lang="en-US"/>
+              <a:t>1)</a:t>
+            </a:r>
+          </a:p>
+          <a:p>
+            <a:pPr lvl="1"/>
+            <a:r>
+              <a:rPr lang="en-US"/>
+              <a:t>Created </a:t>
+            </a:r>
+            <a:r>
+              <a:rPr lang="en-US" dirty="0"/>
+              <a:t>summary statistics for numeric columns (mean, median, max, min, std)</a:t>
             </a:r>
           </a:p>
           <a:p>
